--- a/Lectures/Lecture 4/Lecture 4.pptx
+++ b/Lectures/Lecture 4/Lecture 4.pptx
@@ -216,7 +216,7 @@
           <a:p>
             <a:fld id="{467FE51A-BC06-4E6F-B1DA-B477364E598F}" type="datetimeFigureOut">
               <a:rPr lang="en-US" smtClean="0"/>
-              <a:t>1/16/2020</a:t>
+              <a:t>1/21/2020</a:t>
             </a:fld>
             <a:endParaRPr lang="en-US"/>
           </a:p>
@@ -966,7 +966,7 @@
           <a:p>
             <a:fld id="{11C4ABE2-2F1A-4C31-A43A-C3E7CE49CE95}" type="datetimeFigureOut">
               <a:rPr lang="en-US" smtClean="0"/>
-              <a:t>1/16/2020</a:t>
+              <a:t>1/21/2020</a:t>
             </a:fld>
             <a:endParaRPr lang="en-US"/>
           </a:p>
@@ -1164,7 +1164,7 @@
           <a:p>
             <a:fld id="{11C4ABE2-2F1A-4C31-A43A-C3E7CE49CE95}" type="datetimeFigureOut">
               <a:rPr lang="en-US" smtClean="0"/>
-              <a:t>1/16/2020</a:t>
+              <a:t>1/21/2020</a:t>
             </a:fld>
             <a:endParaRPr lang="en-US"/>
           </a:p>
@@ -1372,7 +1372,7 @@
           <a:p>
             <a:fld id="{11C4ABE2-2F1A-4C31-A43A-C3E7CE49CE95}" type="datetimeFigureOut">
               <a:rPr lang="en-US" smtClean="0"/>
-              <a:t>1/16/2020</a:t>
+              <a:t>1/21/2020</a:t>
             </a:fld>
             <a:endParaRPr lang="en-US"/>
           </a:p>
@@ -1570,7 +1570,7 @@
           <a:p>
             <a:fld id="{11C4ABE2-2F1A-4C31-A43A-C3E7CE49CE95}" type="datetimeFigureOut">
               <a:rPr lang="en-US" smtClean="0"/>
-              <a:t>1/16/2020</a:t>
+              <a:t>1/21/2020</a:t>
             </a:fld>
             <a:endParaRPr lang="en-US"/>
           </a:p>
@@ -1845,7 +1845,7 @@
           <a:p>
             <a:fld id="{11C4ABE2-2F1A-4C31-A43A-C3E7CE49CE95}" type="datetimeFigureOut">
               <a:rPr lang="en-US" smtClean="0"/>
-              <a:t>1/16/2020</a:t>
+              <a:t>1/21/2020</a:t>
             </a:fld>
             <a:endParaRPr lang="en-US"/>
           </a:p>
@@ -2110,7 +2110,7 @@
           <a:p>
             <a:fld id="{11C4ABE2-2F1A-4C31-A43A-C3E7CE49CE95}" type="datetimeFigureOut">
               <a:rPr lang="en-US" smtClean="0"/>
-              <a:t>1/16/2020</a:t>
+              <a:t>1/21/2020</a:t>
             </a:fld>
             <a:endParaRPr lang="en-US"/>
           </a:p>
@@ -2522,7 +2522,7 @@
           <a:p>
             <a:fld id="{11C4ABE2-2F1A-4C31-A43A-C3E7CE49CE95}" type="datetimeFigureOut">
               <a:rPr lang="en-US" smtClean="0"/>
-              <a:t>1/16/2020</a:t>
+              <a:t>1/21/2020</a:t>
             </a:fld>
             <a:endParaRPr lang="en-US"/>
           </a:p>
@@ -2663,7 +2663,7 @@
           <a:p>
             <a:fld id="{11C4ABE2-2F1A-4C31-A43A-C3E7CE49CE95}" type="datetimeFigureOut">
               <a:rPr lang="en-US" smtClean="0"/>
-              <a:t>1/16/2020</a:t>
+              <a:t>1/21/2020</a:t>
             </a:fld>
             <a:endParaRPr lang="en-US"/>
           </a:p>
@@ -2776,7 +2776,7 @@
           <a:p>
             <a:fld id="{11C4ABE2-2F1A-4C31-A43A-C3E7CE49CE95}" type="datetimeFigureOut">
               <a:rPr lang="en-US" smtClean="0"/>
-              <a:t>1/16/2020</a:t>
+              <a:t>1/21/2020</a:t>
             </a:fld>
             <a:endParaRPr lang="en-US"/>
           </a:p>
@@ -3087,7 +3087,7 @@
           <a:p>
             <a:fld id="{11C4ABE2-2F1A-4C31-A43A-C3E7CE49CE95}" type="datetimeFigureOut">
               <a:rPr lang="en-US" smtClean="0"/>
-              <a:t>1/16/2020</a:t>
+              <a:t>1/21/2020</a:t>
             </a:fld>
             <a:endParaRPr lang="en-US"/>
           </a:p>
@@ -3375,7 +3375,7 @@
           <a:p>
             <a:fld id="{11C4ABE2-2F1A-4C31-A43A-C3E7CE49CE95}" type="datetimeFigureOut">
               <a:rPr lang="en-US" smtClean="0"/>
-              <a:t>1/16/2020</a:t>
+              <a:t>1/21/2020</a:t>
             </a:fld>
             <a:endParaRPr lang="en-US"/>
           </a:p>
@@ -3616,7 +3616,7 @@
           <a:p>
             <a:fld id="{11C4ABE2-2F1A-4C31-A43A-C3E7CE49CE95}" type="datetimeFigureOut">
               <a:rPr lang="en-US" smtClean="0"/>
-              <a:t>1/16/2020</a:t>
+              <a:t>1/21/2020</a:t>
             </a:fld>
             <a:endParaRPr lang="en-US"/>
           </a:p>
@@ -13638,8 +13638,8 @@
           </a:p>
         </p:txBody>
       </p:sp>
-      <mc:AlternateContent xmlns:mc="http://schemas.openxmlformats.org/markup-compatibility/2006">
-        <mc:Choice xmlns:a14="http://schemas.microsoft.com/office/drawing/2010/main" Requires="a14">
+      <mc:AlternateContent xmlns:mc="http://schemas.openxmlformats.org/markup-compatibility/2006" xmlns:a14="http://schemas.microsoft.com/office/drawing/2010/main">
+        <mc:Choice Requires="a14">
           <p:sp>
             <p:nvSpPr>
               <p:cNvPr id="36" name="TextBox 35">
@@ -14364,7 +14364,7 @@
             </p:txBody>
           </p:sp>
         </mc:Choice>
-        <mc:Fallback>
+        <mc:Fallback xmlns="">
           <p:sp>
             <p:nvSpPr>
               <p:cNvPr id="36" name="TextBox 35">
@@ -15311,8 +15311,8 @@
           </a:p>
         </p:txBody>
       </p:sp>
-      <mc:AlternateContent xmlns:mc="http://schemas.openxmlformats.org/markup-compatibility/2006">
-        <mc:Choice xmlns:a14="http://schemas.microsoft.com/office/drawing/2010/main" Requires="a14">
+      <mc:AlternateContent xmlns:mc="http://schemas.openxmlformats.org/markup-compatibility/2006" xmlns:a14="http://schemas.microsoft.com/office/drawing/2010/main">
+        <mc:Choice Requires="a14">
           <p:sp>
             <p:nvSpPr>
               <p:cNvPr id="36" name="TextBox 35">
@@ -16184,16 +16184,7 @@
                         </a:solidFill>
                         <a:latin typeface="Cambria Math" panose="02040503050406030204" pitchFamily="18" charset="0"/>
                       </a:rPr>
-                      <m:t>≥</m:t>
-                    </m:r>
-                    <m:r>
-                      <a:rPr lang="en-US" sz="2000" i="1">
-                        <a:solidFill>
-                          <a:srgbClr val="404040"/>
-                        </a:solidFill>
-                        <a:latin typeface="Cambria Math" panose="02040503050406030204" pitchFamily="18" charset="0"/>
-                      </a:rPr>
-                      <m:t>0</m:t>
+                      <m:t>≥0</m:t>
                     </m:r>
                   </m:oMath>
                 </a14:m>
@@ -16249,17 +16240,7 @@
                             <a:latin typeface="Cambria Math" panose="02040503050406030204" pitchFamily="18" charset="0"/>
                             <a:ea typeface="Cambria Math" panose="02040503050406030204" pitchFamily="18" charset="0"/>
                           </a:rPr>
-                          <m:t>−2(20</m:t>
-                        </m:r>
-                        <m:r>
-                          <a:rPr lang="en-US" sz="2000" i="1">
-                            <a:solidFill>
-                              <a:srgbClr val="11B29F"/>
-                            </a:solidFill>
-                            <a:latin typeface="Cambria Math" panose="02040503050406030204" pitchFamily="18" charset="0"/>
-                            <a:ea typeface="Cambria Math" panose="02040503050406030204" pitchFamily="18" charset="0"/>
-                          </a:rPr>
-                          <m:t>8</m:t>
+                          <m:t>−2(208</m:t>
                         </m:r>
                         <m:r>
                           <a:rPr lang="en-US" sz="2000" i="1">
@@ -16306,7 +16287,7 @@
             </p:txBody>
           </p:sp>
         </mc:Choice>
-        <mc:Fallback>
+        <mc:Fallback xmlns="">
           <p:sp>
             <p:nvSpPr>
               <p:cNvPr id="36" name="TextBox 35">
@@ -17421,8 +17402,8 @@
           </a:prstGeom>
         </p:spPr>
       </p:pic>
-      <mc:AlternateContent xmlns:mc="http://schemas.openxmlformats.org/markup-compatibility/2006">
-        <mc:Choice xmlns:a14="http://schemas.microsoft.com/office/drawing/2010/main" Requires="a14">
+      <mc:AlternateContent xmlns:mc="http://schemas.openxmlformats.org/markup-compatibility/2006" xmlns:a14="http://schemas.microsoft.com/office/drawing/2010/main">
+        <mc:Choice Requires="a14">
           <p:sp>
             <p:nvSpPr>
               <p:cNvPr id="23" name="TextBox 22">
@@ -17574,7 +17555,6 @@
                 </a:endParaRPr>
               </a:p>
               <a:p>
-                <a:pPr/>
                 <a:r>
                   <a:rPr lang="en-US" sz="2000" dirty="0">
                     <a:solidFill>
@@ -17640,7 +17620,6 @@
                 </a:endParaRPr>
               </a:p>
               <a:p>
-                <a:pPr/>
                 <a:r>
                   <a:rPr lang="en-US" sz="2000" i="1" dirty="0">
                     <a:solidFill>
@@ -17668,16 +17647,7 @@
                         </a:solidFill>
                         <a:latin typeface="Cambria Math" panose="02040503050406030204" pitchFamily="18" charset="0"/>
                       </a:rPr>
-                      <m:t>−</m:t>
-                    </m:r>
-                    <m:r>
-                      <a:rPr lang="en-US" sz="2000" b="0" i="1" smtClean="0">
-                        <a:solidFill>
-                          <a:srgbClr val="404040"/>
-                        </a:solidFill>
-                        <a:latin typeface="Cambria Math" panose="02040503050406030204" pitchFamily="18" charset="0"/>
-                      </a:rPr>
-                      <m:t>2</m:t>
+                      <m:t>−2</m:t>
                     </m:r>
                     <m:r>
                       <a:rPr lang="en-US" sz="2000" i="1">
@@ -17806,7 +17776,7 @@
             </p:txBody>
           </p:sp>
         </mc:Choice>
-        <mc:Fallback>
+        <mc:Fallback xmlns="">
           <p:sp>
             <p:nvSpPr>
               <p:cNvPr id="23" name="TextBox 22">
@@ -17851,8 +17821,8 @@
           </p:sp>
         </mc:Fallback>
       </mc:AlternateContent>
-      <mc:AlternateContent xmlns:mc="http://schemas.openxmlformats.org/markup-compatibility/2006">
-        <mc:Choice xmlns:a14="http://schemas.microsoft.com/office/drawing/2010/main" Requires="a14">
+      <mc:AlternateContent xmlns:mc="http://schemas.openxmlformats.org/markup-compatibility/2006" xmlns:a14="http://schemas.microsoft.com/office/drawing/2010/main">
+        <mc:Choice Requires="a14">
           <p:sp>
             <p:nvSpPr>
               <p:cNvPr id="29" name="TextBox 28">
@@ -17987,17 +17957,7 @@
                         <a:latin typeface="Cambria Math" panose="02040503050406030204" pitchFamily="18" charset="0"/>
                         <a:ea typeface="Cambria Math" panose="02040503050406030204" pitchFamily="18" charset="0"/>
                       </a:rPr>
-                      <m:t>+</m:t>
-                    </m:r>
-                    <m:r>
-                      <a:rPr lang="en-US" sz="2000" i="1">
-                        <a:solidFill>
-                          <a:srgbClr val="11B29F"/>
-                        </a:solidFill>
-                        <a:latin typeface="Cambria Math" panose="02040503050406030204" pitchFamily="18" charset="0"/>
-                        <a:ea typeface="Cambria Math" panose="02040503050406030204" pitchFamily="18" charset="0"/>
-                      </a:rPr>
-                      <m:t>208</m:t>
+                      <m:t>+208</m:t>
                     </m:r>
                     <m:r>
                       <a:rPr lang="en-US" sz="2000" i="1">
@@ -18069,17 +18029,7 @@
                         <a:latin typeface="Cambria Math" panose="02040503050406030204" pitchFamily="18" charset="0"/>
                         <a:ea typeface="Cambria Math" panose="02040503050406030204" pitchFamily="18" charset="0"/>
                       </a:rPr>
-                      <m:t>)−</m:t>
-                    </m:r>
-                    <m:r>
-                      <a:rPr lang="en-US" sz="2000" i="1">
-                        <a:solidFill>
-                          <a:srgbClr val="11B29F"/>
-                        </a:solidFill>
-                        <a:latin typeface="Cambria Math" panose="02040503050406030204" pitchFamily="18" charset="0"/>
-                        <a:ea typeface="Cambria Math" panose="02040503050406030204" pitchFamily="18" charset="0"/>
-                      </a:rPr>
-                      <m:t>208</m:t>
+                      <m:t>)−208</m:t>
                     </m:r>
                     <m:r>
                       <a:rPr lang="en-US" sz="2000" i="1">
@@ -18099,17 +18049,7 @@
                         <a:latin typeface="Cambria Math" panose="02040503050406030204" pitchFamily="18" charset="0"/>
                         <a:ea typeface="Cambria Math" panose="02040503050406030204" pitchFamily="18" charset="0"/>
                       </a:rPr>
-                      <m:t>≥</m:t>
-                    </m:r>
-                    <m:r>
-                      <a:rPr lang="en-US" sz="2000" i="1">
-                        <a:solidFill>
-                          <a:srgbClr val="11B29F"/>
-                        </a:solidFill>
-                        <a:latin typeface="Cambria Math" panose="02040503050406030204" pitchFamily="18" charset="0"/>
-                        <a:ea typeface="Cambria Math" panose="02040503050406030204" pitchFamily="18" charset="0"/>
-                      </a:rPr>
-                      <m:t>0</m:t>
+                      <m:t>≥0</m:t>
                     </m:r>
                   </m:oMath>
                 </a14:m>
@@ -18172,17 +18112,7 @@
                         <a:latin typeface="Cambria Math" panose="02040503050406030204" pitchFamily="18" charset="0"/>
                         <a:ea typeface="Cambria Math" panose="02040503050406030204" pitchFamily="18" charset="0"/>
                       </a:rPr>
-                      <m:t>)</m:t>
-                    </m:r>
-                    <m:r>
-                      <a:rPr lang="en-US" sz="2000" i="1">
-                        <a:solidFill>
-                          <a:srgbClr val="11B29F"/>
-                        </a:solidFill>
-                        <a:latin typeface="Cambria Math" panose="02040503050406030204" pitchFamily="18" charset="0"/>
-                        <a:ea typeface="Cambria Math" panose="02040503050406030204" pitchFamily="18" charset="0"/>
-                      </a:rPr>
-                      <m:t>≥</m:t>
+                      <m:t>)≥</m:t>
                     </m:r>
                   </m:oMath>
                 </a14:m>
@@ -18292,7 +18222,7 @@
             </p:txBody>
           </p:sp>
         </mc:Choice>
-        <mc:Fallback>
+        <mc:Fallback xmlns="">
           <p:sp>
             <p:nvSpPr>
               <p:cNvPr id="29" name="TextBox 28">
@@ -19208,8 +19138,8 @@
           </a:p>
         </p:txBody>
       </p:sp>
-      <mc:AlternateContent xmlns:mc="http://schemas.openxmlformats.org/markup-compatibility/2006">
-        <mc:Choice xmlns:a14="http://schemas.microsoft.com/office/drawing/2010/main" Requires="a14">
+      <mc:AlternateContent xmlns:mc="http://schemas.openxmlformats.org/markup-compatibility/2006" xmlns:a14="http://schemas.microsoft.com/office/drawing/2010/main">
+        <mc:Choice Requires="a14">
           <p:sp>
             <p:nvSpPr>
               <p:cNvPr id="36" name="TextBox 35">
@@ -19467,7 +19397,7 @@
             </p:txBody>
           </p:sp>
         </mc:Choice>
-        <mc:Fallback>
+        <mc:Fallback xmlns="">
           <p:sp>
             <p:nvSpPr>
               <p:cNvPr id="36" name="TextBox 35">
@@ -23034,7 +22964,7 @@
             <p:spPr>
               <a:xfrm>
                 <a:off x="838199" y="1957466"/>
-                <a:ext cx="9048941" cy="5016758"/>
+                <a:ext cx="9048941" cy="5324535"/>
               </a:xfrm>
               <a:prstGeom prst="rect">
                 <a:avLst/>
@@ -23180,6 +23110,18 @@
                   <a:buFont typeface="Arial" panose="020B0604020202020204" pitchFamily="34" charset="0"/>
                   <a:buChar char="•"/>
                 </a:pPr>
+                <a:endParaRPr lang="en-US" sz="2000" dirty="0">
+                  <a:solidFill>
+                    <a:srgbClr val="404040"/>
+                  </a:solidFill>
+                  <a:latin typeface="Corbel" panose="020B0503020204020204" pitchFamily="34" charset="0"/>
+                </a:endParaRPr>
+              </a:p>
+              <a:p>
+                <a:pPr marL="742950" lvl="1" indent="-285750">
+                  <a:buFont typeface="Arial" panose="020B0604020202020204" pitchFamily="34" charset="0"/>
+                  <a:buChar char="•"/>
+                </a:pPr>
                 <a:r>
                   <a:rPr lang="en-US" sz="2000" dirty="0">
                     <a:solidFill>
@@ -23194,7 +23136,7 @@
                     <m:d>
                       <m:dPr>
                         <m:ctrlPr>
-                          <a:rPr lang="en-US" sz="2000" b="0" i="0" smtClean="0">
+                          <a:rPr lang="en-US" sz="2000" b="0" i="1" smtClean="0">
                             <a:solidFill>
                               <a:srgbClr val="404040"/>
                             </a:solidFill>
@@ -23325,7 +23267,7 @@
             <p:spPr>
               <a:xfrm>
                 <a:off x="838199" y="1957466"/>
-                <a:ext cx="9048941" cy="5016758"/>
+                <a:ext cx="9048941" cy="5324535"/>
               </a:xfrm>
               <a:prstGeom prst="rect">
                 <a:avLst/>
@@ -23333,7 +23275,7 @@
               <a:blipFill>
                 <a:blip r:embed="rId4"/>
                 <a:stretch>
-                  <a:fillRect l="-539" t="-608"/>
+                  <a:fillRect l="-539" t="-572"/>
                 </a:stretch>
               </a:blipFill>
             </p:spPr>
@@ -23486,7 +23428,7 @@
             <p:spPr>
               <a:xfrm>
                 <a:off x="1631542" y="3335976"/>
-                <a:ext cx="3731127" cy="1323439"/>
+                <a:ext cx="3731127" cy="1631216"/>
               </a:xfrm>
               <a:prstGeom prst="rect">
                 <a:avLst/>
@@ -23614,6 +23556,72 @@
                     </m:r>
                   </m:oMath>
                 </a14:m>
+                <a:endParaRPr lang="en-US" sz="2000" b="0" dirty="0">
+                  <a:solidFill>
+                    <a:srgbClr val="404040"/>
+                  </a:solidFill>
+                  <a:latin typeface="Corbel" panose="020B0503020204020204" pitchFamily="34" charset="0"/>
+                </a:endParaRPr>
+              </a:p>
+              <a:p>
+                <a:r>
+                  <a:rPr lang="en-US" sz="2000" b="0" i="1" dirty="0">
+                    <a:solidFill>
+                      <a:srgbClr val="404040"/>
+                    </a:solidFill>
+                    <a:latin typeface="Cambria Math" panose="02040503050406030204" pitchFamily="18" charset="0"/>
+                  </a:rPr>
+                  <a:t>		</a:t>
+                </a:r>
+                <a14:m>
+                  <m:oMath xmlns:m="http://schemas.openxmlformats.org/officeDocument/2006/math">
+                    <m:r>
+                      <a:rPr lang="en-US" sz="2000" b="0" i="1" smtClean="0">
+                        <a:solidFill>
+                          <a:srgbClr val="404040"/>
+                        </a:solidFill>
+                        <a:latin typeface="Cambria Math" panose="02040503050406030204" pitchFamily="18" charset="0"/>
+                      </a:rPr>
+                      <m:t>4</m:t>
+                    </m:r>
+                    <m:r>
+                      <a:rPr lang="en-US" sz="2000" b="0" i="1" smtClean="0">
+                        <a:solidFill>
+                          <a:srgbClr val="404040"/>
+                        </a:solidFill>
+                        <a:latin typeface="Cambria Math" panose="02040503050406030204" pitchFamily="18" charset="0"/>
+                      </a:rPr>
+                      <m:t>𝑥</m:t>
+                    </m:r>
+                    <m:r>
+                      <a:rPr lang="en-US" sz="2000" b="0" i="1" smtClean="0">
+                        <a:solidFill>
+                          <a:srgbClr val="404040"/>
+                        </a:solidFill>
+                        <a:latin typeface="Cambria Math" panose="02040503050406030204" pitchFamily="18" charset="0"/>
+                      </a:rPr>
+                      <m:t>+3</m:t>
+                    </m:r>
+                    <m:r>
+                      <a:rPr lang="en-US" sz="2000" b="0" i="1" smtClean="0">
+                        <a:solidFill>
+                          <a:srgbClr val="404040"/>
+                        </a:solidFill>
+                        <a:latin typeface="Cambria Math" panose="02040503050406030204" pitchFamily="18" charset="0"/>
+                      </a:rPr>
+                      <m:t>𝑦</m:t>
+                    </m:r>
+                    <m:r>
+                      <a:rPr lang="en-US" sz="2000" b="0" i="1" smtClean="0">
+                        <a:solidFill>
+                          <a:srgbClr val="404040"/>
+                        </a:solidFill>
+                        <a:latin typeface="Cambria Math" panose="02040503050406030204" pitchFamily="18" charset="0"/>
+                      </a:rPr>
+                      <m:t>≤120</m:t>
+                    </m:r>
+                  </m:oMath>
+                </a14:m>
                 <a:endParaRPr lang="en-US" sz="2000" b="0" i="1" dirty="0">
                   <a:solidFill>
                     <a:srgbClr val="404040"/>
@@ -23730,7 +23738,7 @@
             <p:spPr>
               <a:xfrm>
                 <a:off x="1631542" y="3335976"/>
-                <a:ext cx="3731127" cy="1323439"/>
+                <a:ext cx="3731127" cy="1631216"/>
               </a:xfrm>
               <a:prstGeom prst="rect">
                 <a:avLst/>
@@ -23738,7 +23746,7 @@
               <a:blipFill>
                 <a:blip r:embed="rId7"/>
                 <a:stretch>
-                  <a:fillRect l="-1797" t="-2304" b="-1843"/>
+                  <a:fillRect l="-1797" t="-1866" b="-1119"/>
                 </a:stretch>
               </a:blipFill>
             </p:spPr>
@@ -23815,7 +23823,7 @@
             </p:nvSpPr>
             <p:spPr>
               <a:xfrm>
-                <a:off x="1137517" y="5204289"/>
+                <a:off x="1137517" y="5390757"/>
                 <a:ext cx="3731127" cy="400110"/>
               </a:xfrm>
               <a:prstGeom prst="rect">
@@ -23884,16 +23892,7 @@
                           </a:solidFill>
                           <a:latin typeface="Cambria Math" panose="02040503050406030204" pitchFamily="18" charset="0"/>
                         </a:rPr>
-                        <m:t>+</m:t>
-                      </m:r>
-                      <m:r>
-                        <a:rPr lang="en-US" sz="2000" b="0" i="1" smtClean="0">
-                          <a:solidFill>
-                            <a:srgbClr val="404040"/>
-                          </a:solidFill>
-                          <a:latin typeface="Cambria Math" panose="02040503050406030204" pitchFamily="18" charset="0"/>
-                        </a:rPr>
-                        <m:t>30</m:t>
+                        <m:t>+30</m:t>
                       </m:r>
                       <m:d>
                         <m:dPr>
@@ -23925,16 +23924,7 @@
                           </a:solidFill>
                           <a:latin typeface="Cambria Math" panose="02040503050406030204" pitchFamily="18" charset="0"/>
                         </a:rPr>
-                        <m:t>=</m:t>
-                      </m:r>
-                      <m:r>
-                        <a:rPr lang="en-US" sz="2000" b="0" i="1" smtClean="0">
-                          <a:solidFill>
-                            <a:srgbClr val="404040"/>
-                          </a:solidFill>
-                          <a:latin typeface="Cambria Math" panose="02040503050406030204" pitchFamily="18" charset="0"/>
-                        </a:rPr>
-                        <m:t>1200</m:t>
+                        <m:t>=1200</m:t>
                       </m:r>
                     </m:oMath>
                   </m:oMathPara>
@@ -23966,7 +23956,7 @@
             </p:nvSpPr>
             <p:spPr>
               <a:xfrm>
-                <a:off x="1137517" y="5204289"/>
+                <a:off x="1137517" y="5390757"/>
                 <a:ext cx="3731127" cy="400110"/>
               </a:xfrm>
               <a:prstGeom prst="rect">
@@ -24010,7 +24000,7 @@
             </p:nvSpPr>
             <p:spPr>
               <a:xfrm>
-                <a:off x="1137517" y="5629129"/>
+                <a:off x="1137517" y="5719116"/>
                 <a:ext cx="3731127" cy="400110"/>
               </a:xfrm>
               <a:prstGeom prst="rect">
@@ -24079,16 +24069,7 @@
                           </a:solidFill>
                           <a:latin typeface="Cambria Math" panose="02040503050406030204" pitchFamily="18" charset="0"/>
                         </a:rPr>
-                        <m:t>+</m:t>
-                      </m:r>
-                      <m:r>
-                        <a:rPr lang="en-US" sz="2000" b="0" i="1" smtClean="0">
-                          <a:solidFill>
-                            <a:srgbClr val="404040"/>
-                          </a:solidFill>
-                          <a:latin typeface="Cambria Math" panose="02040503050406030204" pitchFamily="18" charset="0"/>
-                        </a:rPr>
-                        <m:t>30</m:t>
+                        <m:t>+30</m:t>
                       </m:r>
                       <m:d>
                         <m:dPr>
@@ -24120,16 +24101,7 @@
                           </a:solidFill>
                           <a:latin typeface="Cambria Math" panose="02040503050406030204" pitchFamily="18" charset="0"/>
                         </a:rPr>
-                        <m:t>=</m:t>
-                      </m:r>
-                      <m:r>
-                        <a:rPr lang="en-US" sz="2000" b="0" i="1" smtClean="0">
-                          <a:solidFill>
-                            <a:srgbClr val="404040"/>
-                          </a:solidFill>
-                          <a:latin typeface="Cambria Math" panose="02040503050406030204" pitchFamily="18" charset="0"/>
-                        </a:rPr>
-                        <m:t>1200</m:t>
+                        <m:t>=1200</m:t>
                       </m:r>
                     </m:oMath>
                   </m:oMathPara>
@@ -24161,7 +24133,7 @@
             </p:nvSpPr>
             <p:spPr>
               <a:xfrm>
-                <a:off x="1137517" y="5629129"/>
+                <a:off x="1137517" y="5719116"/>
                 <a:ext cx="3731127" cy="400110"/>
               </a:xfrm>
               <a:prstGeom prst="rect">
@@ -25351,8 +25323,8 @@
           </a:prstGeom>
         </p:spPr>
       </p:pic>
-      <mc:AlternateContent xmlns:mc="http://schemas.openxmlformats.org/markup-compatibility/2006">
-        <mc:Choice xmlns:a14="http://schemas.microsoft.com/office/drawing/2010/main" Requires="a14">
+      <mc:AlternateContent xmlns:mc="http://schemas.openxmlformats.org/markup-compatibility/2006" xmlns:a14="http://schemas.microsoft.com/office/drawing/2010/main">
+        <mc:Choice Requires="a14">
           <p:sp>
             <p:nvSpPr>
               <p:cNvPr id="23" name="TextBox 22">
@@ -25591,7 +25563,6 @@
                 </a:endParaRPr>
               </a:p>
               <a:p>
-                <a:pPr/>
                 <a:r>
                   <a:rPr lang="en-US" sz="2000" dirty="0">
                     <a:solidFill>
@@ -25621,16 +25592,7 @@
                         </a:solidFill>
                         <a:latin typeface="Cambria Math" panose="02040503050406030204" pitchFamily="18" charset="0"/>
                       </a:rPr>
-                      <m:t>≥</m:t>
-                    </m:r>
-                    <m:r>
-                      <a:rPr lang="en-US" sz="2000" i="1">
-                        <a:solidFill>
-                          <a:srgbClr val="404040"/>
-                        </a:solidFill>
-                        <a:latin typeface="Cambria Math" panose="02040503050406030204" pitchFamily="18" charset="0"/>
-                      </a:rPr>
-                      <m:t>0</m:t>
+                      <m:t>≥0</m:t>
                     </m:r>
                   </m:oMath>
                 </a14:m>
@@ -25643,7 +25605,7 @@
             </p:txBody>
           </p:sp>
         </mc:Choice>
-        <mc:Fallback>
+        <mc:Fallback xmlns="">
           <p:sp>
             <p:nvSpPr>
               <p:cNvPr id="23" name="TextBox 22">
@@ -25688,8 +25650,8 @@
           </p:sp>
         </mc:Fallback>
       </mc:AlternateContent>
-      <mc:AlternateContent xmlns:mc="http://schemas.openxmlformats.org/markup-compatibility/2006">
-        <mc:Choice xmlns:a14="http://schemas.microsoft.com/office/drawing/2010/main" Requires="a14">
+      <mc:AlternateContent xmlns:mc="http://schemas.openxmlformats.org/markup-compatibility/2006" xmlns:a14="http://schemas.microsoft.com/office/drawing/2010/main">
+        <mc:Choice Requires="a14">
           <p:sp>
             <p:nvSpPr>
               <p:cNvPr id="29" name="TextBox 28">
@@ -25928,7 +25890,6 @@
                 </a:endParaRPr>
               </a:p>
               <a:p>
-                <a:pPr/>
                 <a:r>
                   <a:rPr lang="en-US" sz="2000" dirty="0">
                     <a:solidFill>
@@ -25958,16 +25919,7 @@
                         </a:solidFill>
                         <a:latin typeface="Cambria Math" panose="02040503050406030204" pitchFamily="18" charset="0"/>
                       </a:rPr>
-                      <m:t>≥</m:t>
-                    </m:r>
-                    <m:r>
-                      <a:rPr lang="en-US" sz="2000" i="1">
-                        <a:solidFill>
-                          <a:srgbClr val="404040"/>
-                        </a:solidFill>
-                        <a:latin typeface="Cambria Math" panose="02040503050406030204" pitchFamily="18" charset="0"/>
-                      </a:rPr>
-                      <m:t>0</m:t>
+                      <m:t>≥0</m:t>
                     </m:r>
                   </m:oMath>
                 </a14:m>
@@ -25980,7 +25932,7 @@
             </p:txBody>
           </p:sp>
         </mc:Choice>
-        <mc:Fallback>
+        <mc:Fallback xmlns="">
           <p:sp>
             <p:nvSpPr>
               <p:cNvPr id="29" name="TextBox 28">
@@ -26795,8 +26747,8 @@
           </a:p>
         </p:txBody>
       </p:sp>
-      <mc:AlternateContent xmlns:mc="http://schemas.openxmlformats.org/markup-compatibility/2006">
-        <mc:Choice xmlns:a14="http://schemas.microsoft.com/office/drawing/2010/main" Requires="a14">
+      <mc:AlternateContent xmlns:mc="http://schemas.openxmlformats.org/markup-compatibility/2006" xmlns:a14="http://schemas.microsoft.com/office/drawing/2010/main">
+        <mc:Choice Requires="a14">
           <p:sp>
             <p:nvSpPr>
               <p:cNvPr id="36" name="TextBox 35">
@@ -27122,7 +27074,7 @@
             </p:txBody>
           </p:sp>
         </mc:Choice>
-        <mc:Fallback>
+        <mc:Fallback xmlns="">
           <p:sp>
             <p:nvSpPr>
               <p:cNvPr id="36" name="TextBox 35">
@@ -28503,8 +28455,8 @@
           </a:prstGeom>
         </p:spPr>
       </p:pic>
-      <mc:AlternateContent xmlns:mc="http://schemas.openxmlformats.org/markup-compatibility/2006">
-        <mc:Choice xmlns:a14="http://schemas.microsoft.com/office/drawing/2010/main" Requires="a14">
+      <mc:AlternateContent xmlns:mc="http://schemas.openxmlformats.org/markup-compatibility/2006" xmlns:a14="http://schemas.microsoft.com/office/drawing/2010/main">
+        <mc:Choice Requires="a14">
           <p:sp>
             <p:nvSpPr>
               <p:cNvPr id="29" name="TextBox 28">
@@ -28811,7 +28763,7 @@
             </p:txBody>
           </p:sp>
         </mc:Choice>
-        <mc:Fallback>
+        <mc:Fallback xmlns="">
           <p:sp>
             <p:nvSpPr>
               <p:cNvPr id="29" name="TextBox 28">
